--- a/docs/songs/my worship.pptx
+++ b/docs/songs/my worship.pptx
@@ -308,7 +308,7 @@
             <a:fld id="{26EA1CF3-4A15-4CBF-9A5A-6A56C368BE71}" type="datetimeFigureOut">
               <a:rPr lang="en-GB" smtClean="0"/>
               <a:pPr/>
-              <a:t>03/10/2022</a:t>
+              <a:t>26/08/2024</a:t>
             </a:fld>
             <a:endParaRPr lang="en-GB"/>
           </a:p>
@@ -475,7 +475,7 @@
             <a:fld id="{26EA1CF3-4A15-4CBF-9A5A-6A56C368BE71}" type="datetimeFigureOut">
               <a:rPr lang="en-GB" smtClean="0"/>
               <a:pPr/>
-              <a:t>03/10/2022</a:t>
+              <a:t>26/08/2024</a:t>
             </a:fld>
             <a:endParaRPr lang="en-GB"/>
           </a:p>
@@ -652,7 +652,7 @@
             <a:fld id="{26EA1CF3-4A15-4CBF-9A5A-6A56C368BE71}" type="datetimeFigureOut">
               <a:rPr lang="en-GB" smtClean="0"/>
               <a:pPr/>
-              <a:t>03/10/2022</a:t>
+              <a:t>26/08/2024</a:t>
             </a:fld>
             <a:endParaRPr lang="en-GB"/>
           </a:p>
@@ -819,7 +819,7 @@
             <a:fld id="{26EA1CF3-4A15-4CBF-9A5A-6A56C368BE71}" type="datetimeFigureOut">
               <a:rPr lang="en-GB" smtClean="0"/>
               <a:pPr/>
-              <a:t>03/10/2022</a:t>
+              <a:t>26/08/2024</a:t>
             </a:fld>
             <a:endParaRPr lang="en-GB"/>
           </a:p>
@@ -1062,7 +1062,7 @@
             <a:fld id="{26EA1CF3-4A15-4CBF-9A5A-6A56C368BE71}" type="datetimeFigureOut">
               <a:rPr lang="en-GB" smtClean="0"/>
               <a:pPr/>
-              <a:t>03/10/2022</a:t>
+              <a:t>26/08/2024</a:t>
             </a:fld>
             <a:endParaRPr lang="en-GB"/>
           </a:p>
@@ -1347,7 +1347,7 @@
             <a:fld id="{26EA1CF3-4A15-4CBF-9A5A-6A56C368BE71}" type="datetimeFigureOut">
               <a:rPr lang="en-GB" smtClean="0"/>
               <a:pPr/>
-              <a:t>03/10/2022</a:t>
+              <a:t>26/08/2024</a:t>
             </a:fld>
             <a:endParaRPr lang="en-GB"/>
           </a:p>
@@ -1766,7 +1766,7 @@
             <a:fld id="{26EA1CF3-4A15-4CBF-9A5A-6A56C368BE71}" type="datetimeFigureOut">
               <a:rPr lang="en-GB" smtClean="0"/>
               <a:pPr/>
-              <a:t>03/10/2022</a:t>
+              <a:t>26/08/2024</a:t>
             </a:fld>
             <a:endParaRPr lang="en-GB"/>
           </a:p>
@@ -1881,7 +1881,7 @@
             <a:fld id="{26EA1CF3-4A15-4CBF-9A5A-6A56C368BE71}" type="datetimeFigureOut">
               <a:rPr lang="en-GB" smtClean="0"/>
               <a:pPr/>
-              <a:t>03/10/2022</a:t>
+              <a:t>26/08/2024</a:t>
             </a:fld>
             <a:endParaRPr lang="en-GB"/>
           </a:p>
@@ -1973,7 +1973,7 @@
             <a:fld id="{26EA1CF3-4A15-4CBF-9A5A-6A56C368BE71}" type="datetimeFigureOut">
               <a:rPr lang="en-GB" smtClean="0"/>
               <a:pPr/>
-              <a:t>03/10/2022</a:t>
+              <a:t>26/08/2024</a:t>
             </a:fld>
             <a:endParaRPr lang="en-GB"/>
           </a:p>
@@ -2247,7 +2247,7 @@
             <a:fld id="{26EA1CF3-4A15-4CBF-9A5A-6A56C368BE71}" type="datetimeFigureOut">
               <a:rPr lang="en-GB" smtClean="0"/>
               <a:pPr/>
-              <a:t>03/10/2022</a:t>
+              <a:t>26/08/2024</a:t>
             </a:fld>
             <a:endParaRPr lang="en-GB"/>
           </a:p>
@@ -2497,7 +2497,7 @@
             <a:fld id="{26EA1CF3-4A15-4CBF-9A5A-6A56C368BE71}" type="datetimeFigureOut">
               <a:rPr lang="en-GB" smtClean="0"/>
               <a:pPr/>
-              <a:t>03/10/2022</a:t>
+              <a:t>26/08/2024</a:t>
             </a:fld>
             <a:endParaRPr lang="en-GB"/>
           </a:p>
@@ -2710,7 +2710,7 @@
             <a:fld id="{26EA1CF3-4A15-4CBF-9A5A-6A56C368BE71}" type="datetimeFigureOut">
               <a:rPr lang="en-GB" smtClean="0"/>
               <a:pPr/>
-              <a:t>03/10/2022</a:t>
+              <a:t>26/08/2024</a:t>
             </a:fld>
             <a:endParaRPr lang="en-GB"/>
           </a:p>
@@ -3388,7 +3388,7 @@
         </p:nvSpPr>
         <p:spPr>
           <a:xfrm>
-            <a:off x="323528" y="188640"/>
+            <a:off x="228676" y="764704"/>
             <a:ext cx="8640960" cy="6480720"/>
           </a:xfrm>
         </p:spPr>
@@ -3399,7 +3399,7 @@
           <a:lstStyle/>
           <a:p>
             <a:r>
-              <a:rPr lang="en-GB" sz="4400" dirty="0">
+              <a:rPr lang="en-GB" sz="3600" dirty="0">
                 <a:solidFill>
                   <a:schemeClr val="bg1"/>
                 </a:solidFill>
@@ -3409,7 +3409,7 @@
           </a:p>
           <a:p>
             <a:r>
-              <a:rPr lang="en-GB" sz="4400" dirty="0">
+              <a:rPr lang="en-GB" sz="3600" dirty="0">
                 <a:solidFill>
                   <a:schemeClr val="bg1"/>
                 </a:solidFill>
@@ -3419,7 +3419,7 @@
           </a:p>
           <a:p>
             <a:r>
-              <a:rPr lang="en-GB" sz="4400" dirty="0">
+              <a:rPr lang="en-GB" sz="3600" dirty="0">
                 <a:solidFill>
                   <a:schemeClr val="bg1"/>
                 </a:solidFill>
@@ -3429,7 +3429,7 @@
           </a:p>
           <a:p>
             <a:r>
-              <a:rPr lang="en-GB" sz="4400" dirty="0">
+              <a:rPr lang="en-GB" sz="3600" dirty="0">
                 <a:solidFill>
                   <a:schemeClr val="bg1"/>
                 </a:solidFill>
@@ -3439,7 +3439,7 @@
           </a:p>
           <a:p>
             <a:r>
-              <a:rPr lang="en-GB" sz="4400" dirty="0">
+              <a:rPr lang="en-GB" sz="3600" dirty="0">
                 <a:solidFill>
                   <a:schemeClr val="bg1"/>
                 </a:solidFill>
@@ -3524,7 +3524,7 @@
         </p:nvSpPr>
         <p:spPr>
           <a:xfrm>
-            <a:off x="323528" y="188640"/>
+            <a:off x="395536" y="692696"/>
             <a:ext cx="8640960" cy="6480720"/>
           </a:xfrm>
         </p:spPr>
@@ -3535,7 +3535,7 @@
           <a:lstStyle/>
           <a:p>
             <a:r>
-              <a:rPr lang="en-GB" sz="4400" dirty="0">
+              <a:rPr lang="en-GB" sz="3600" dirty="0">
                 <a:solidFill>
                   <a:schemeClr val="bg1"/>
                 </a:solidFill>
@@ -3545,7 +3545,7 @@
           </a:p>
           <a:p>
             <a:r>
-              <a:rPr lang="en-GB" sz="4400" dirty="0">
+              <a:rPr lang="en-GB" sz="3600" dirty="0">
                 <a:solidFill>
                   <a:schemeClr val="bg1"/>
                 </a:solidFill>
@@ -3555,7 +3555,7 @@
           </a:p>
           <a:p>
             <a:r>
-              <a:rPr lang="en-GB" sz="4400" dirty="0">
+              <a:rPr lang="en-GB" sz="3600" dirty="0">
                 <a:solidFill>
                   <a:schemeClr val="bg1"/>
                 </a:solidFill>
@@ -3565,7 +3565,7 @@
           </a:p>
           <a:p>
             <a:r>
-              <a:rPr lang="en-GB" sz="4400" dirty="0">
+              <a:rPr lang="en-GB" sz="3600" dirty="0">
                 <a:solidFill>
                   <a:schemeClr val="bg1"/>
                 </a:solidFill>
@@ -3573,13 +3573,13 @@
               <a:t>All of my worship</a:t>
             </a:r>
             <a:br>
-              <a:rPr lang="en-GB" sz="4400" dirty="0">
+              <a:rPr lang="en-GB" sz="3600" dirty="0">
                 <a:solidFill>
                   <a:schemeClr val="bg1"/>
                 </a:solidFill>
               </a:rPr>
             </a:br>
-            <a:endParaRPr lang="en-GB" sz="4400" dirty="0">
+            <a:endParaRPr lang="en-GB" sz="3600" dirty="0">
               <a:solidFill>
                 <a:schemeClr val="bg1"/>
               </a:solidFill>
@@ -3587,7 +3587,7 @@
           </a:p>
           <a:p>
             <a:r>
-              <a:rPr lang="en-GB" sz="4400" dirty="0">
+              <a:rPr lang="en-GB" sz="3600" dirty="0">
                 <a:solidFill>
                   <a:schemeClr val="bg1"/>
                 </a:solidFill>
@@ -3672,7 +3672,7 @@
         </p:nvSpPr>
         <p:spPr>
           <a:xfrm>
-            <a:off x="323528" y="188640"/>
+            <a:off x="251520" y="764704"/>
             <a:ext cx="8640960" cy="6480720"/>
           </a:xfrm>
         </p:spPr>
@@ -3683,7 +3683,7 @@
           <a:lstStyle/>
           <a:p>
             <a:r>
-              <a:rPr lang="en-GB" sz="4400" dirty="0">
+              <a:rPr lang="en-GB" sz="3600" dirty="0">
                 <a:solidFill>
                   <a:schemeClr val="bg1"/>
                 </a:solidFill>
@@ -3693,7 +3693,7 @@
           </a:p>
           <a:p>
             <a:r>
-              <a:rPr lang="en-GB" sz="4400" dirty="0">
+              <a:rPr lang="en-GB" sz="3600" dirty="0">
                 <a:solidFill>
                   <a:schemeClr val="bg1"/>
                 </a:solidFill>
@@ -3703,7 +3703,7 @@
           </a:p>
           <a:p>
             <a:r>
-              <a:rPr lang="en-GB" sz="4400" dirty="0">
+              <a:rPr lang="en-GB" sz="3600" dirty="0">
                 <a:solidFill>
                   <a:schemeClr val="bg1"/>
                 </a:solidFill>
@@ -3713,7 +3713,7 @@
           </a:p>
           <a:p>
             <a:r>
-              <a:rPr lang="en-GB" sz="4400" dirty="0">
+              <a:rPr lang="en-GB" sz="3600" dirty="0">
                 <a:solidFill>
                   <a:schemeClr val="bg1"/>
                 </a:solidFill>
